--- a/2018-12-22/Lagrange Multiplier.pptx
+++ b/2018-12-22/Lagrange Multiplier.pptx
@@ -266,7 +266,7 @@
           <a:p>
             <a:fld id="{B25208F5-2FF3-49A8-8B06-93FA43861A48}" type="datetimeFigureOut">
               <a:rPr lang="LID4096" smtClean="0"/>
-              <a:t>12/22/2018</a:t>
+              <a:t>01/05/2019</a:t>
             </a:fld>
             <a:endParaRPr lang="LID4096"/>
           </a:p>
@@ -436,7 +436,7 @@
           <a:p>
             <a:fld id="{B25208F5-2FF3-49A8-8B06-93FA43861A48}" type="datetimeFigureOut">
               <a:rPr lang="LID4096" smtClean="0"/>
-              <a:t>12/22/2018</a:t>
+              <a:t>01/05/2019</a:t>
             </a:fld>
             <a:endParaRPr lang="LID4096"/>
           </a:p>
@@ -616,7 +616,7 @@
           <a:p>
             <a:fld id="{B25208F5-2FF3-49A8-8B06-93FA43861A48}" type="datetimeFigureOut">
               <a:rPr lang="LID4096" smtClean="0"/>
-              <a:t>12/22/2018</a:t>
+              <a:t>01/05/2019</a:t>
             </a:fld>
             <a:endParaRPr lang="LID4096"/>
           </a:p>
@@ -819,7 +819,7 @@
           <a:p>
             <a:fld id="{B25208F5-2FF3-49A8-8B06-93FA43861A48}" type="datetimeFigureOut">
               <a:rPr lang="LID4096" smtClean="0"/>
-              <a:t>12/22/2018</a:t>
+              <a:t>01/05/2019</a:t>
             </a:fld>
             <a:endParaRPr lang="LID4096"/>
           </a:p>
@@ -989,7 +989,7 @@
           <a:p>
             <a:fld id="{B25208F5-2FF3-49A8-8B06-93FA43861A48}" type="datetimeFigureOut">
               <a:rPr lang="LID4096" smtClean="0"/>
-              <a:t>12/22/2018</a:t>
+              <a:t>01/05/2019</a:t>
             </a:fld>
             <a:endParaRPr lang="LID4096"/>
           </a:p>
@@ -1240,7 +1240,7 @@
           <a:p>
             <a:fld id="{B25208F5-2FF3-49A8-8B06-93FA43861A48}" type="datetimeFigureOut">
               <a:rPr lang="LID4096" smtClean="0"/>
-              <a:t>12/22/2018</a:t>
+              <a:t>01/05/2019</a:t>
             </a:fld>
             <a:endParaRPr lang="LID4096"/>
           </a:p>
@@ -1472,7 +1472,7 @@
           <a:p>
             <a:fld id="{B25208F5-2FF3-49A8-8B06-93FA43861A48}" type="datetimeFigureOut">
               <a:rPr lang="LID4096" smtClean="0"/>
-              <a:t>12/22/2018</a:t>
+              <a:t>01/05/2019</a:t>
             </a:fld>
             <a:endParaRPr lang="LID4096"/>
           </a:p>
@@ -1819,7 +1819,7 @@
           <a:p>
             <a:fld id="{B25208F5-2FF3-49A8-8B06-93FA43861A48}" type="datetimeFigureOut">
               <a:rPr lang="LID4096" smtClean="0"/>
-              <a:t>12/22/2018</a:t>
+              <a:t>01/05/2019</a:t>
             </a:fld>
             <a:endParaRPr lang="LID4096"/>
           </a:p>
@@ -1937,7 +1937,7 @@
           <a:p>
             <a:fld id="{B25208F5-2FF3-49A8-8B06-93FA43861A48}" type="datetimeFigureOut">
               <a:rPr lang="LID4096" smtClean="0"/>
-              <a:t>12/22/2018</a:t>
+              <a:t>01/05/2019</a:t>
             </a:fld>
             <a:endParaRPr lang="LID4096"/>
           </a:p>
@@ -2055,7 +2055,7 @@
           <a:p>
             <a:fld id="{B25208F5-2FF3-49A8-8B06-93FA43861A48}" type="datetimeFigureOut">
               <a:rPr lang="LID4096" smtClean="0"/>
-              <a:t>12/22/2018</a:t>
+              <a:t>01/05/2019</a:t>
             </a:fld>
             <a:endParaRPr lang="LID4096"/>
           </a:p>
@@ -2339,7 +2339,7 @@
           <a:p>
             <a:fld id="{B25208F5-2FF3-49A8-8B06-93FA43861A48}" type="datetimeFigureOut">
               <a:rPr lang="LID4096" smtClean="0"/>
-              <a:t>12/22/2018</a:t>
+              <a:t>01/05/2019</a:t>
             </a:fld>
             <a:endParaRPr lang="LID4096"/>
           </a:p>
@@ -2509,7 +2509,7 @@
           <a:p>
             <a:fld id="{B25208F5-2FF3-49A8-8B06-93FA43861A48}" type="datetimeFigureOut">
               <a:rPr lang="LID4096" smtClean="0"/>
-              <a:t>12/22/2018</a:t>
+              <a:t>01/05/2019</a:t>
             </a:fld>
             <a:endParaRPr lang="LID4096"/>
           </a:p>
@@ -2773,7 +2773,7 @@
           <a:p>
             <a:fld id="{B25208F5-2FF3-49A8-8B06-93FA43861A48}" type="datetimeFigureOut">
               <a:rPr lang="LID4096" smtClean="0"/>
-              <a:t>12/22/2018</a:t>
+              <a:t>01/05/2019</a:t>
             </a:fld>
             <a:endParaRPr lang="LID4096"/>
           </a:p>
@@ -2943,7 +2943,7 @@
           <a:p>
             <a:fld id="{B25208F5-2FF3-49A8-8B06-93FA43861A48}" type="datetimeFigureOut">
               <a:rPr lang="LID4096" smtClean="0"/>
-              <a:t>12/22/2018</a:t>
+              <a:t>01/05/2019</a:t>
             </a:fld>
             <a:endParaRPr lang="LID4096"/>
           </a:p>
@@ -3123,7 +3123,7 @@
           <a:p>
             <a:fld id="{B25208F5-2FF3-49A8-8B06-93FA43861A48}" type="datetimeFigureOut">
               <a:rPr lang="LID4096" smtClean="0"/>
-              <a:t>12/22/2018</a:t>
+              <a:t>01/05/2019</a:t>
             </a:fld>
             <a:endParaRPr lang="LID4096"/>
           </a:p>
@@ -3323,7 +3323,7 @@
           <a:p>
             <a:fld id="{B25208F5-2FF3-49A8-8B06-93FA43861A48}" type="datetimeFigureOut">
               <a:rPr lang="LID4096" smtClean="0"/>
-              <a:t>12/22/2018</a:t>
+              <a:t>01/05/2019</a:t>
             </a:fld>
             <a:endParaRPr lang="LID4096"/>
           </a:p>
@@ -3534,7 +3534,7 @@
           <a:p>
             <a:fld id="{B25208F5-2FF3-49A8-8B06-93FA43861A48}" type="datetimeFigureOut">
               <a:rPr lang="LID4096" smtClean="0"/>
-              <a:t>12/22/2018</a:t>
+              <a:t>01/05/2019</a:t>
             </a:fld>
             <a:endParaRPr lang="LID4096"/>
           </a:p>
@@ -3813,7 +3813,7 @@
           <a:p>
             <a:fld id="{B25208F5-2FF3-49A8-8B06-93FA43861A48}" type="datetimeFigureOut">
               <a:rPr lang="LID4096" smtClean="0"/>
-              <a:t>12/22/2018</a:t>
+              <a:t>01/05/2019</a:t>
             </a:fld>
             <a:endParaRPr lang="LID4096"/>
           </a:p>
@@ -4081,7 +4081,7 @@
           <a:p>
             <a:fld id="{B25208F5-2FF3-49A8-8B06-93FA43861A48}" type="datetimeFigureOut">
               <a:rPr lang="LID4096" smtClean="0"/>
-              <a:t>12/22/2018</a:t>
+              <a:t>01/05/2019</a:t>
             </a:fld>
             <a:endParaRPr lang="LID4096"/>
           </a:p>
@@ -4497,7 +4497,7 @@
           <a:p>
             <a:fld id="{B25208F5-2FF3-49A8-8B06-93FA43861A48}" type="datetimeFigureOut">
               <a:rPr lang="LID4096" smtClean="0"/>
-              <a:t>12/22/2018</a:t>
+              <a:t>01/05/2019</a:t>
             </a:fld>
             <a:endParaRPr lang="LID4096"/>
           </a:p>
@@ -4646,7 +4646,7 @@
           <a:p>
             <a:fld id="{B25208F5-2FF3-49A8-8B06-93FA43861A48}" type="datetimeFigureOut">
               <a:rPr lang="LID4096" smtClean="0"/>
-              <a:t>12/22/2018</a:t>
+              <a:t>01/05/2019</a:t>
             </a:fld>
             <a:endParaRPr lang="LID4096"/>
           </a:p>
@@ -4772,7 +4772,7 @@
           <a:p>
             <a:fld id="{B25208F5-2FF3-49A8-8B06-93FA43861A48}" type="datetimeFigureOut">
               <a:rPr lang="LID4096" smtClean="0"/>
-              <a:t>12/22/2018</a:t>
+              <a:t>01/05/2019</a:t>
             </a:fld>
             <a:endParaRPr lang="LID4096"/>
           </a:p>
@@ -5023,7 +5023,7 @@
           <a:p>
             <a:fld id="{B25208F5-2FF3-49A8-8B06-93FA43861A48}" type="datetimeFigureOut">
               <a:rPr lang="LID4096" smtClean="0"/>
-              <a:t>12/22/2018</a:t>
+              <a:t>01/05/2019</a:t>
             </a:fld>
             <a:endParaRPr lang="LID4096"/>
           </a:p>
@@ -5274,7 +5274,7 @@
           <a:p>
             <a:fld id="{B25208F5-2FF3-49A8-8B06-93FA43861A48}" type="datetimeFigureOut">
               <a:rPr lang="LID4096" smtClean="0"/>
-              <a:t>12/22/2018</a:t>
+              <a:t>01/05/2019</a:t>
             </a:fld>
             <a:endParaRPr lang="LID4096"/>
           </a:p>
@@ -5719,7 +5719,7 @@
           <a:p>
             <a:fld id="{B25208F5-2FF3-49A8-8B06-93FA43861A48}" type="datetimeFigureOut">
               <a:rPr lang="LID4096" smtClean="0"/>
-              <a:t>12/22/2018</a:t>
+              <a:t>01/05/2019</a:t>
             </a:fld>
             <a:endParaRPr lang="LID4096"/>
           </a:p>
@@ -5925,7 +5925,7 @@
           <a:p>
             <a:fld id="{B25208F5-2FF3-49A8-8B06-93FA43861A48}" type="datetimeFigureOut">
               <a:rPr lang="LID4096" smtClean="0"/>
-              <a:t>12/22/2018</a:t>
+              <a:t>01/05/2019</a:t>
             </a:fld>
             <a:endParaRPr lang="LID4096"/>
           </a:p>
@@ -6140,7 +6140,7 @@
           <a:p>
             <a:fld id="{B25208F5-2FF3-49A8-8B06-93FA43861A48}" type="datetimeFigureOut">
               <a:rPr lang="LID4096" smtClean="0"/>
-              <a:t>12/22/2018</a:t>
+              <a:t>01/05/2019</a:t>
             </a:fld>
             <a:endParaRPr lang="LID4096"/>
           </a:p>
@@ -6403,7 +6403,7 @@
           <a:p>
             <a:fld id="{B25208F5-2FF3-49A8-8B06-93FA43861A48}" type="datetimeFigureOut">
               <a:rPr lang="LID4096" smtClean="0"/>
-              <a:t>12/22/2018</a:t>
+              <a:t>01/05/2019</a:t>
             </a:fld>
             <a:endParaRPr lang="LID4096"/>
           </a:p>
@@ -6750,7 +6750,7 @@
           <a:p>
             <a:fld id="{B25208F5-2FF3-49A8-8B06-93FA43861A48}" type="datetimeFigureOut">
               <a:rPr lang="LID4096" smtClean="0"/>
-              <a:t>12/22/2018</a:t>
+              <a:t>01/05/2019</a:t>
             </a:fld>
             <a:endParaRPr lang="LID4096"/>
           </a:p>
@@ -6868,7 +6868,7 @@
           <a:p>
             <a:fld id="{B25208F5-2FF3-49A8-8B06-93FA43861A48}" type="datetimeFigureOut">
               <a:rPr lang="LID4096" smtClean="0"/>
-              <a:t>12/22/2018</a:t>
+              <a:t>01/05/2019</a:t>
             </a:fld>
             <a:endParaRPr lang="LID4096"/>
           </a:p>
@@ -6986,7 +6986,7 @@
           <a:p>
             <a:fld id="{B25208F5-2FF3-49A8-8B06-93FA43861A48}" type="datetimeFigureOut">
               <a:rPr lang="LID4096" smtClean="0"/>
-              <a:t>12/22/2018</a:t>
+              <a:t>01/05/2019</a:t>
             </a:fld>
             <a:endParaRPr lang="LID4096"/>
           </a:p>
@@ -7270,7 +7270,7 @@
           <a:p>
             <a:fld id="{B25208F5-2FF3-49A8-8B06-93FA43861A48}" type="datetimeFigureOut">
               <a:rPr lang="LID4096" smtClean="0"/>
-              <a:t>12/22/2018</a:t>
+              <a:t>01/05/2019</a:t>
             </a:fld>
             <a:endParaRPr lang="LID4096"/>
           </a:p>
@@ -7534,7 +7534,7 @@
           <a:p>
             <a:fld id="{B25208F5-2FF3-49A8-8B06-93FA43861A48}" type="datetimeFigureOut">
               <a:rPr lang="LID4096" smtClean="0"/>
-              <a:t>12/22/2018</a:t>
+              <a:t>01/05/2019</a:t>
             </a:fld>
             <a:endParaRPr lang="LID4096"/>
           </a:p>
@@ -7748,7 +7748,7 @@
           <a:p>
             <a:fld id="{B25208F5-2FF3-49A8-8B06-93FA43861A48}" type="datetimeFigureOut">
               <a:rPr lang="LID4096" smtClean="0"/>
-              <a:t>12/22/2018</a:t>
+              <a:t>01/05/2019</a:t>
             </a:fld>
             <a:endParaRPr lang="LID4096"/>
           </a:p>
@@ -8278,7 +8278,7 @@
           <a:p>
             <a:fld id="{B25208F5-2FF3-49A8-8B06-93FA43861A48}" type="datetimeFigureOut">
               <a:rPr lang="LID4096" smtClean="0"/>
-              <a:t>12/22/2018</a:t>
+              <a:t>01/05/2019</a:t>
             </a:fld>
             <a:endParaRPr lang="LID4096"/>
           </a:p>
@@ -8884,7 +8884,7 @@
           <a:p>
             <a:fld id="{B25208F5-2FF3-49A8-8B06-93FA43861A48}" type="datetimeFigureOut">
               <a:rPr lang="LID4096" smtClean="0"/>
-              <a:t>12/22/2018</a:t>
+              <a:t>01/05/2019</a:t>
             </a:fld>
             <a:endParaRPr lang="LID4096"/>
           </a:p>
@@ -9498,8 +9498,8 @@
           </a:p>
         </p:txBody>
       </p:sp>
-      <mc:AlternateContent xmlns:mc="http://schemas.openxmlformats.org/markup-compatibility/2006">
-        <mc:Choice xmlns:a14="http://schemas.microsoft.com/office/drawing/2010/main" Requires="a14">
+      <mc:AlternateContent xmlns:mc="http://schemas.openxmlformats.org/markup-compatibility/2006" xmlns:a14="http://schemas.microsoft.com/office/drawing/2010/main">
+        <mc:Choice Requires="a14">
           <p:sp>
             <p:nvSpPr>
               <p:cNvPr id="3" name="内容占位符 2">
@@ -10699,7 +10699,7 @@
             </p:txBody>
           </p:sp>
         </mc:Choice>
-        <mc:Fallback>
+        <mc:Fallback xmlns="">
           <p:sp>
             <p:nvSpPr>
               <p:cNvPr id="3" name="内容占位符 2">
@@ -11565,8 +11565,8 @@
           </a:p>
         </p:txBody>
       </p:sp>
-      <mc:AlternateContent xmlns:mc="http://schemas.openxmlformats.org/markup-compatibility/2006">
-        <mc:Choice xmlns:a14="http://schemas.microsoft.com/office/drawing/2010/main" Requires="a14">
+      <mc:AlternateContent xmlns:mc="http://schemas.openxmlformats.org/markup-compatibility/2006" xmlns:a14="http://schemas.microsoft.com/office/drawing/2010/main">
+        <mc:Choice Requires="a14">
           <p:sp>
             <p:nvSpPr>
               <p:cNvPr id="3" name="内容占位符 2">
@@ -11657,7 +11657,7 @@
             </p:txBody>
           </p:sp>
         </mc:Choice>
-        <mc:Fallback>
+        <mc:Fallback xmlns="">
           <p:sp>
             <p:nvSpPr>
               <p:cNvPr id="3" name="内容占位符 2">
@@ -11756,8 +11756,8 @@
           </a:p>
         </p:txBody>
       </p:sp>
-      <mc:AlternateContent xmlns:mc="http://schemas.openxmlformats.org/markup-compatibility/2006">
-        <mc:Choice xmlns:a14="http://schemas.microsoft.com/office/drawing/2010/main" Requires="a14">
+      <mc:AlternateContent xmlns:mc="http://schemas.openxmlformats.org/markup-compatibility/2006" xmlns:a14="http://schemas.microsoft.com/office/drawing/2010/main">
+        <mc:Choice Requires="a14">
           <p:sp>
             <p:nvSpPr>
               <p:cNvPr id="3" name="内容占位符 2">
@@ -11911,13 +11911,7 @@
                       <a:rPr lang="en-US" sz="2800" b="0" i="1" smtClean="0">
                         <a:latin typeface="Cambria Math" panose="02040503050406030204" pitchFamily="18" charset="0"/>
                       </a:rPr>
-                      <m:t>=</m:t>
-                    </m:r>
-                    <m:r>
-                      <a:rPr lang="en-US" sz="2800" b="0" i="1" smtClean="0">
-                        <a:latin typeface="Cambria Math" panose="02040503050406030204" pitchFamily="18" charset="0"/>
-                      </a:rPr>
-                      <m:t>0</m:t>
+                      <m:t>=0</m:t>
                     </m:r>
                   </m:oMath>
                 </a14:m>
@@ -11926,7 +11920,7 @@
             </p:txBody>
           </p:sp>
         </mc:Choice>
-        <mc:Fallback>
+        <mc:Fallback xmlns="">
           <p:sp>
             <p:nvSpPr>
               <p:cNvPr id="3" name="内容占位符 2">
@@ -12160,8 +12154,8 @@
           </a:p>
         </p:txBody>
       </p:sp>
-      <mc:AlternateContent xmlns:mc="http://schemas.openxmlformats.org/markup-compatibility/2006">
-        <mc:Choice xmlns:a14="http://schemas.microsoft.com/office/drawing/2010/main" Requires="a14">
+      <mc:AlternateContent xmlns:mc="http://schemas.openxmlformats.org/markup-compatibility/2006" xmlns:a14="http://schemas.microsoft.com/office/drawing/2010/main">
+        <mc:Choice Requires="a14">
           <p:sp>
             <p:nvSpPr>
               <p:cNvPr id="3" name="内容占位符 2">
@@ -12190,7 +12184,6 @@
               </a:bodyPr>
               <a:lstStyle/>
               <a:p>
-                <a:pPr/>
                 <a14:m>
                   <m:oMath xmlns:m="http://schemas.openxmlformats.org/officeDocument/2006/math">
                     <m:func>
@@ -12291,7 +12284,6 @@
                 </a:endParaRPr>
               </a:p>
               <a:p>
-                <a:pPr/>
                 <a14:m>
                   <m:oMath xmlns:m="http://schemas.openxmlformats.org/officeDocument/2006/math">
                     <m:r>
@@ -12360,7 +12352,6 @@
                 <a:endParaRPr lang="en-US" sz="2800" b="0" dirty="0"/>
               </a:p>
               <a:p>
-                <a:pPr/>
                 <a14:m>
                   <m:oMath xmlns:m="http://schemas.openxmlformats.org/officeDocument/2006/math">
                     <m:r>
@@ -12460,7 +12451,6 @@
                 <a:endParaRPr lang="en-US" sz="2800" dirty="0"/>
               </a:p>
               <a:p>
-                <a:pPr/>
                 <a14:m>
                   <m:oMath xmlns:m="http://schemas.openxmlformats.org/officeDocument/2006/math">
                     <m:r>
@@ -12551,7 +12541,7 @@
             </p:txBody>
           </p:sp>
         </mc:Choice>
-        <mc:Fallback>
+        <mc:Fallback xmlns="">
           <p:sp>
             <p:nvSpPr>
               <p:cNvPr id="3" name="内容占位符 2">
@@ -13393,7 +13383,7 @@
                 <a16:creationId xmlns:a16="http://schemas.microsoft.com/office/drawing/2014/main" id="{35C3D674-3D59-4E93-80CA-0C0A9095E816}"/>
               </a:ext>
               <a:ext uri="{C183D7F6-B498-43B3-948B-1728B52AA6E4}">
-                <adec:decorative xmlns:adec="http://schemas.microsoft.com/office/drawing/2017/decorative" val="1"/>
+                <adec:decorative xmlns:adec="http://schemas.microsoft.com/office/drawing/2017/decorative" xmlns="" val="1"/>
               </a:ext>
             </a:extLst>
           </p:cNvPr>
@@ -13453,7 +13443,7 @@
                 <a16:creationId xmlns:a16="http://schemas.microsoft.com/office/drawing/2014/main" id="{C884B8F8-FDC9-498B-9960-5D7260AFCB03}"/>
               </a:ext>
               <a:ext uri="{C183D7F6-B498-43B3-948B-1728B52AA6E4}">
-                <adec:decorative xmlns:adec="http://schemas.microsoft.com/office/drawing/2017/decorative" val="1"/>
+                <adec:decorative xmlns:adec="http://schemas.microsoft.com/office/drawing/2017/decorative" xmlns="" val="1"/>
               </a:ext>
             </a:extLst>
           </p:cNvPr>
@@ -13537,7 +13527,7 @@
                 <a16:creationId xmlns:a16="http://schemas.microsoft.com/office/drawing/2014/main" id="{EF2A81E1-BCBE-426B-8C09-33274E69409D}"/>
               </a:ext>
               <a:ext uri="{C183D7F6-B498-43B3-948B-1728B52AA6E4}">
-                <adec:decorative xmlns:adec="http://schemas.microsoft.com/office/drawing/2017/decorative" val="1"/>
+                <adec:decorative xmlns:adec="http://schemas.microsoft.com/office/drawing/2017/decorative" xmlns="" val="1"/>
               </a:ext>
             </a:extLst>
           </p:cNvPr>
@@ -13643,9 +13633,6 @@
                 <a14:m>
                   <m:oMath xmlns:m="http://schemas.openxmlformats.org/officeDocument/2006/math">
                     <m:r>
-                      <m:rPr>
-                        <m:sty m:val="p"/>
-                      </m:rPr>
                       <a:rPr lang="en-US" sz="2400" b="0" i="0" smtClean="0">
                         <a:latin typeface="Cambria Math" panose="02040503050406030204" pitchFamily="18" charset="0"/>
                       </a:rPr>
@@ -13670,9 +13657,6 @@
                       <m:t>𝜆</m:t>
                     </m:r>
                     <m:r>
-                      <m:rPr>
-                        <m:sty m:val="p"/>
-                      </m:rPr>
                       <a:rPr lang="en-US" sz="2400" b="0" i="0" smtClean="0">
                         <a:latin typeface="Cambria Math" panose="02040503050406030204" pitchFamily="18" charset="0"/>
                       </a:rPr>
@@ -13686,6 +13670,10 @@
                     </m:r>
                   </m:oMath>
                 </a14:m>
+                <a:r>
+                  <a:rPr lang="zh-CN" altLang="en-US" sz="2400" dirty="0" smtClean="0"/>
+                  <a:t>（共线）</a:t>
+                </a:r>
                 <a:endParaRPr lang="en-US" sz="2400" dirty="0"/>
               </a:p>
               <a:p>
@@ -13744,7 +13732,7 @@
               <a:lstStyle/>
               <a:p>
                 <a:r>
-                  <a:rPr lang="LID4096">
+                  <a:rPr lang="zh-CN" altLang="en-US">
                     <a:noFill/>
                   </a:rPr>
                   <a:t> </a:t>
@@ -13809,7 +13797,7 @@
                 <a16:creationId xmlns:a16="http://schemas.microsoft.com/office/drawing/2014/main" id="{39D1DDD4-5BB3-45BA-B9B3-06B62299AD79}"/>
               </a:ext>
               <a:ext uri="{C183D7F6-B498-43B3-948B-1728B52AA6E4}">
-                <adec:decorative xmlns:adec="http://schemas.microsoft.com/office/drawing/2017/decorative" val="1"/>
+                <adec:decorative xmlns:adec="http://schemas.microsoft.com/office/drawing/2017/decorative" xmlns="" val="1"/>
               </a:ext>
             </a:extLst>
           </p:cNvPr>
@@ -13853,7 +13841,7 @@
                 <a16:creationId xmlns:a16="http://schemas.microsoft.com/office/drawing/2014/main" id="{A24DAE64-2302-42EA-8239-F2F0775CA5AD}"/>
               </a:ext>
               <a:ext uri="{C183D7F6-B498-43B3-948B-1728B52AA6E4}">
-                <adec:decorative xmlns:adec="http://schemas.microsoft.com/office/drawing/2017/decorative" val="1"/>
+                <adec:decorative xmlns:adec="http://schemas.microsoft.com/office/drawing/2017/decorative" xmlns="" val="1"/>
               </a:ext>
             </a:extLst>
           </p:cNvPr>
@@ -14300,7 +14288,7 @@
                 <a16:creationId xmlns:a16="http://schemas.microsoft.com/office/drawing/2014/main" id="{35C3D674-3D59-4E93-80CA-0C0A9095E816}"/>
               </a:ext>
               <a:ext uri="{C183D7F6-B498-43B3-948B-1728B52AA6E4}">
-                <adec:decorative xmlns:adec="http://schemas.microsoft.com/office/drawing/2017/decorative" val="1"/>
+                <adec:decorative xmlns:adec="http://schemas.microsoft.com/office/drawing/2017/decorative" xmlns="" val="1"/>
               </a:ext>
             </a:extLst>
           </p:cNvPr>
@@ -14360,7 +14348,7 @@
                 <a16:creationId xmlns:a16="http://schemas.microsoft.com/office/drawing/2014/main" id="{C884B8F8-FDC9-498B-9960-5D7260AFCB03}"/>
               </a:ext>
               <a:ext uri="{C183D7F6-B498-43B3-948B-1728B52AA6E4}">
-                <adec:decorative xmlns:adec="http://schemas.microsoft.com/office/drawing/2017/decorative" val="1"/>
+                <adec:decorative xmlns:adec="http://schemas.microsoft.com/office/drawing/2017/decorative" xmlns="" val="1"/>
               </a:ext>
             </a:extLst>
           </p:cNvPr>
@@ -14444,7 +14432,7 @@
                 <a16:creationId xmlns:a16="http://schemas.microsoft.com/office/drawing/2014/main" id="{EF2A81E1-BCBE-426B-8C09-33274E69409D}"/>
               </a:ext>
               <a:ext uri="{C183D7F6-B498-43B3-948B-1728B52AA6E4}">
-                <adec:decorative xmlns:adec="http://schemas.microsoft.com/office/drawing/2017/decorative" val="1"/>
+                <adec:decorative xmlns:adec="http://schemas.microsoft.com/office/drawing/2017/decorative" xmlns="" val="1"/>
               </a:ext>
             </a:extLst>
           </p:cNvPr>
@@ -14536,16 +14524,13 @@
             </p:spPr>
             <p:txBody>
               <a:bodyPr>
-                <a:normAutofit/>
+                <a:normAutofit fontScale="85000" lnSpcReduction="10000"/>
               </a:bodyPr>
               <a:lstStyle/>
               <a:p>
                 <a14:m>
                   <m:oMath xmlns:m="http://schemas.openxmlformats.org/officeDocument/2006/math">
                     <m:r>
-                      <m:rPr>
-                        <m:sty m:val="p"/>
-                      </m:rPr>
                       <a:rPr lang="en-US" sz="2800" smtClean="0">
                         <a:latin typeface="Cambria Math" panose="02040503050406030204" pitchFamily="18" charset="0"/>
                       </a:rPr>
@@ -14570,9 +14555,6 @@
                       <m:t>𝜆</m:t>
                     </m:r>
                     <m:r>
-                      <m:rPr>
-                        <m:sty m:val="p"/>
-                      </m:rPr>
                       <a:rPr lang="en-US" sz="2800">
                         <a:latin typeface="Cambria Math" panose="02040503050406030204" pitchFamily="18" charset="0"/>
                       </a:rPr>
@@ -14597,9 +14579,6 @@
                       <m:t>𝜇</m:t>
                     </m:r>
                     <m:r>
-                      <m:rPr>
-                        <m:sty m:val="p"/>
-                      </m:rPr>
                       <a:rPr lang="en-US" altLang="zh-CN" sz="2800" b="0" i="0" smtClean="0">
                         <a:latin typeface="Cambria Math" panose="02040503050406030204" pitchFamily="18" charset="0"/>
                       </a:rPr>
@@ -14613,6 +14592,10 @@
                     </m:r>
                   </m:oMath>
                 </a14:m>
+                <a:r>
+                  <a:rPr lang="zh-CN" altLang="en-US" sz="2800" dirty="0" smtClean="0"/>
+                  <a:t>（共面）</a:t>
+                </a:r>
                 <a:endParaRPr lang="en-US" sz="2800" dirty="0"/>
               </a:p>
               <a:p>
@@ -14681,7 +14664,7 @@
               <a:blipFill>
                 <a:blip r:embed="rId2"/>
                 <a:stretch>
-                  <a:fillRect/>
+                  <a:fillRect l="-2174" t="-1250"/>
                 </a:stretch>
               </a:blipFill>
             </p:spPr>
@@ -14690,7 +14673,7 @@
               <a:lstStyle/>
               <a:p>
                 <a:r>
-                  <a:rPr lang="LID4096">
+                  <a:rPr lang="zh-CN" altLang="en-US">
                     <a:noFill/>
                   </a:rPr>
                   <a:t> </a:t>
@@ -14755,7 +14738,7 @@
                 <a16:creationId xmlns:a16="http://schemas.microsoft.com/office/drawing/2014/main" id="{39D1DDD4-5BB3-45BA-B9B3-06B62299AD79}"/>
               </a:ext>
               <a:ext uri="{C183D7F6-B498-43B3-948B-1728B52AA6E4}">
-                <adec:decorative xmlns:adec="http://schemas.microsoft.com/office/drawing/2017/decorative" val="1"/>
+                <adec:decorative xmlns:adec="http://schemas.microsoft.com/office/drawing/2017/decorative" xmlns="" val="1"/>
               </a:ext>
             </a:extLst>
           </p:cNvPr>
@@ -14799,7 +14782,7 @@
                 <a16:creationId xmlns:a16="http://schemas.microsoft.com/office/drawing/2014/main" id="{A24DAE64-2302-42EA-8239-F2F0775CA5AD}"/>
               </a:ext>
               <a:ext uri="{C183D7F6-B498-43B3-948B-1728B52AA6E4}">
-                <adec:decorative xmlns:adec="http://schemas.microsoft.com/office/drawing/2017/decorative" val="1"/>
+                <adec:decorative xmlns:adec="http://schemas.microsoft.com/office/drawing/2017/decorative" xmlns="" val="1"/>
               </a:ext>
             </a:extLst>
           </p:cNvPr>
@@ -14845,8 +14828,8 @@
           </a:fontRef>
         </p:style>
       </p:cxnSp>
-      <mc:AlternateContent xmlns:mc="http://schemas.openxmlformats.org/markup-compatibility/2006">
-        <mc:Choice xmlns:a14="http://schemas.microsoft.com/office/drawing/2010/main" Requires="a14">
+      <mc:AlternateContent xmlns:mc="http://schemas.openxmlformats.org/markup-compatibility/2006" xmlns:a14="http://schemas.microsoft.com/office/drawing/2010/main">
+        <mc:Choice Requires="a14">
           <p:sp>
             <p:nvSpPr>
               <p:cNvPr id="4" name="矩形 3">
@@ -14874,6 +14857,7 @@
               </a:bodyPr>
               <a:lstStyle/>
               <a:p>
+                <a:pPr/>
                 <a14:m>
                   <m:oMathPara xmlns:m="http://schemas.openxmlformats.org/officeDocument/2006/math">
                     <m:oMathParaPr>
@@ -14944,6 +14928,7 @@
                 <a:endParaRPr lang="en-US" sz="2800" dirty="0"/>
               </a:p>
               <a:p>
+                <a:pPr/>
                 <a14:m>
                   <m:oMathPara xmlns:m="http://schemas.openxmlformats.org/officeDocument/2006/math">
                     <m:oMathParaPr>
@@ -15070,7 +15055,7 @@
             </p:txBody>
           </p:sp>
         </mc:Choice>
-        <mc:Fallback>
+        <mc:Fallback xmlns="">
           <p:sp>
             <p:nvSpPr>
               <p:cNvPr id="4" name="矩形 3">
@@ -15450,8 +15435,8 @@
           </a:p>
         </p:txBody>
       </p:sp>
-      <mc:AlternateContent xmlns:mc="http://schemas.openxmlformats.org/markup-compatibility/2006">
-        <mc:Choice xmlns:a14="http://schemas.microsoft.com/office/drawing/2010/main" Requires="a14">
+      <mc:AlternateContent xmlns:mc="http://schemas.openxmlformats.org/markup-compatibility/2006" xmlns:a14="http://schemas.microsoft.com/office/drawing/2010/main">
+        <mc:Choice Requires="a14">
           <p:sp>
             <p:nvSpPr>
               <p:cNvPr id="3" name="内容占位符 2">
@@ -15475,7 +15460,6 @@
               </a:bodyPr>
               <a:lstStyle/>
               <a:p>
-                <a:pPr/>
                 <a14:m>
                   <m:oMath xmlns:m="http://schemas.openxmlformats.org/officeDocument/2006/math">
                     <m:r>
@@ -15747,7 +15731,7 @@
             </p:txBody>
           </p:sp>
         </mc:Choice>
-        <mc:Fallback>
+        <mc:Fallback xmlns="">
           <p:sp>
             <p:nvSpPr>
               <p:cNvPr id="3" name="内容占位符 2">
@@ -16085,8 +16069,8 @@
           </a:p>
         </p:txBody>
       </p:sp>
-      <mc:AlternateContent xmlns:mc="http://schemas.openxmlformats.org/markup-compatibility/2006">
-        <mc:Choice xmlns:a14="http://schemas.microsoft.com/office/drawing/2010/main" Requires="a14">
+      <mc:AlternateContent xmlns:mc="http://schemas.openxmlformats.org/markup-compatibility/2006" xmlns:a14="http://schemas.microsoft.com/office/drawing/2010/main">
+        <mc:Choice Requires="a14">
           <p:sp>
             <p:nvSpPr>
               <p:cNvPr id="3" name="内容占位符 2">
@@ -16250,13 +16234,7 @@
                       <a:rPr lang="en-US" sz="2600" b="0" i="1" smtClean="0">
                         <a:latin typeface="Cambria Math" panose="02040503050406030204" pitchFamily="18" charset="0"/>
                       </a:rPr>
-                      <m:t>=</m:t>
-                    </m:r>
-                    <m:r>
-                      <a:rPr lang="en-US" sz="2600" b="0" i="1" smtClean="0">
-                        <a:latin typeface="Cambria Math" panose="02040503050406030204" pitchFamily="18" charset="0"/>
-                      </a:rPr>
-                      <m:t>0, </m:t>
+                      <m:t>=0, </m:t>
                     </m:r>
                   </m:oMath>
                 </a14:m>
@@ -16319,7 +16297,7 @@
             </p:txBody>
           </p:sp>
         </mc:Choice>
-        <mc:Fallback>
+        <mc:Fallback xmlns="">
           <p:sp>
             <p:nvSpPr>
               <p:cNvPr id="3" name="内容占位符 2">
@@ -16359,8 +16337,8 @@
           </p:sp>
         </mc:Fallback>
       </mc:AlternateContent>
-      <mc:AlternateContent xmlns:mc="http://schemas.openxmlformats.org/markup-compatibility/2006">
-        <mc:Choice xmlns:a14="http://schemas.microsoft.com/office/drawing/2010/main" Requires="a14">
+      <mc:AlternateContent xmlns:mc="http://schemas.openxmlformats.org/markup-compatibility/2006" xmlns:a14="http://schemas.microsoft.com/office/drawing/2010/main">
+        <mc:Choice Requires="a14">
           <p:sp>
             <p:nvSpPr>
               <p:cNvPr id="4" name="矩形 3">
@@ -16388,6 +16366,7 @@
               </a:bodyPr>
               <a:lstStyle/>
               <a:p>
+                <a:pPr/>
                 <a14:m>
                   <m:oMathPara xmlns:m="http://schemas.openxmlformats.org/officeDocument/2006/math">
                     <m:oMathParaPr>
@@ -16594,6 +16573,7 @@
                 <a:endParaRPr lang="en-US" sz="2400" dirty="0"/>
               </a:p>
               <a:p>
+                <a:pPr/>
                 <a14:m>
                   <m:oMathPara xmlns:m="http://schemas.openxmlformats.org/officeDocument/2006/math">
                     <m:oMathParaPr>
@@ -16655,7 +16635,7 @@
             </p:txBody>
           </p:sp>
         </mc:Choice>
-        <mc:Fallback>
+        <mc:Fallback xmlns="">
           <p:sp>
             <p:nvSpPr>
               <p:cNvPr id="4" name="矩形 3">
